--- a/Focal Lens/SSIS vNext.pptx
+++ b/Focal Lens/SSIS vNext.pptx
@@ -3670,7 +3670,6 @@
                     <a:rPr lang="en-US" sz="1400" b="1" kern="0" dirty="0" smtClean="0"/>
                     <a:t>        </a:t>
                   </a:r>
-                  <a:endParaRPr lang="en-US" sz="1400" b="1" kern="0" dirty="0" smtClean="0"/>
                 </a:p>
                 <a:p>
                   <a:pPr defTabSz="685861" fontAlgn="base">
@@ -4093,35 +4092,12 @@
                   </a:pPr>
                   <a:r>
                     <a:rPr lang="en-US" sz="1050" kern="0" dirty="0" smtClean="0"/>
-                    <a:t>Nagaraj Sengodan has around 11 </a:t>
+                    <a:t>Nagaraj Sengodan, </a:t>
                   </a:r>
                   <a:r>
                     <a:rPr lang="en-US" sz="1050" kern="0" dirty="0"/>
-                    <a:t>years of core work experience in DW/BI practice</a:t>
+                    <a:t>MS Technology Expert with experience in Data Analytics &amp; Business Intelligence based solutions as well traditional data-warehouse implementations using relational databases and ETL tools guiding various customers across Industry.</a:t>
                   </a:r>
-                  <a:r>
-                    <a:rPr lang="en-US" sz="1050" kern="0" dirty="0" smtClean="0"/>
-                    <a:t>. </a:t>
-                  </a:r>
-                  <a:r>
-                    <a:rPr lang="en-US" sz="1050" dirty="0" smtClean="0">
-                      <a:solidFill>
-                        <a:srgbClr val="000000"/>
-                      </a:solidFill>
-                      <a:cs typeface="Arial" charset="0"/>
-                    </a:rPr>
-                    <a:t>He </a:t>
-                  </a:r>
-                  <a:r>
-                    <a:rPr lang="en-US" sz="1050" dirty="0">
-                      <a:solidFill>
-                        <a:srgbClr val="000000"/>
-                      </a:solidFill>
-                      <a:cs typeface="Arial" charset="0"/>
-                    </a:rPr>
-                    <a:t>performed advisory role on complex Business Intelligence projects and architected Business Intelligence solutions and led the development of comprehensive dashboards, analytical reports. </a:t>
-                  </a:r>
-                  <a:endParaRPr lang="en-US" sz="1050" kern="0" dirty="0"/>
                 </a:p>
               </p:txBody>
             </p:sp>
@@ -4338,7 +4314,6 @@
                   <a:rPr lang="en-US" sz="1400" kern="0" dirty="0" smtClean="0"/>
                   <a:t>Sample Picture/Screenshot</a:t>
                 </a:r>
-                <a:endParaRPr lang="en-US" sz="1400" kern="0" dirty="0" smtClean="0"/>
               </a:p>
             </p:txBody>
           </p:sp>
